--- a/references/Module_2_my_slide.pptx
+++ b/references/Module_2_my_slide.pptx
@@ -2084,7 +2084,7 @@
           </a:ln>
           <a:extLst>
             <a:ext uri="{C572A759-6A51-4108-AA02-DFA0A04FC94B}">
-              <ma14:wrappingTextBoxFlag xmlns:ma14="http://schemas.microsoft.com/office/mac/drawingml/2011/main" xmlns="" val="1"/>
+              <ma14:wrappingTextBoxFlag xmlns="" xmlns:ma14="http://schemas.microsoft.com/office/mac/drawingml/2011/main" val="1"/>
             </a:ext>
           </a:extLst>
         </p:spPr>
@@ -2123,7 +2123,7 @@
           </a:ln>
           <a:extLst>
             <a:ext uri="{C572A759-6A51-4108-AA02-DFA0A04FC94B}">
-              <ma14:wrappingTextBoxFlag xmlns:ma14="http://schemas.microsoft.com/office/mac/drawingml/2011/main" xmlns="" val="1"/>
+              <ma14:wrappingTextBoxFlag xmlns="" xmlns:ma14="http://schemas.microsoft.com/office/mac/drawingml/2011/main" val="1"/>
             </a:ext>
           </a:extLst>
         </p:spPr>
@@ -3183,7 +3183,7 @@
           </a:ln>
           <a:extLst>
             <a:ext uri="{C572A759-6A51-4108-AA02-DFA0A04FC94B}">
-              <ma14:wrappingTextBoxFlag xmlns:ma14="http://schemas.microsoft.com/office/mac/drawingml/2011/main" xmlns="" val="1"/>
+              <ma14:wrappingTextBoxFlag xmlns="" xmlns:ma14="http://schemas.microsoft.com/office/mac/drawingml/2011/main" val="1"/>
             </a:ext>
           </a:extLst>
         </p:spPr>
@@ -3230,7 +3230,7 @@
           </a:ln>
           <a:extLst>
             <a:ext uri="{C572A759-6A51-4108-AA02-DFA0A04FC94B}">
-              <ma14:wrappingTextBoxFlag xmlns:ma14="http://schemas.microsoft.com/office/mac/drawingml/2011/main" xmlns="" val="1"/>
+              <ma14:wrappingTextBoxFlag xmlns="" xmlns:ma14="http://schemas.microsoft.com/office/mac/drawingml/2011/main" val="1"/>
             </a:ext>
           </a:extLst>
         </p:spPr>
@@ -3304,7 +3304,7 @@
           </a:ln>
           <a:extLst>
             <a:ext uri="{C572A759-6A51-4108-AA02-DFA0A04FC94B}">
-              <ma14:wrappingTextBoxFlag xmlns:ma14="http://schemas.microsoft.com/office/mac/drawingml/2011/main" xmlns="" val="1"/>
+              <ma14:wrappingTextBoxFlag xmlns="" xmlns:ma14="http://schemas.microsoft.com/office/mac/drawingml/2011/main" val="1"/>
             </a:ext>
           </a:extLst>
         </p:spPr>
@@ -3354,7 +3354,7 @@
           </a:ln>
           <a:extLst>
             <a:ext uri="{C572A759-6A51-4108-AA02-DFA0A04FC94B}">
-              <ma14:wrappingTextBoxFlag xmlns:ma14="http://schemas.microsoft.com/office/mac/drawingml/2011/main" xmlns="" val="1"/>
+              <ma14:wrappingTextBoxFlag xmlns="" xmlns:ma14="http://schemas.microsoft.com/office/mac/drawingml/2011/main" val="1"/>
             </a:ext>
           </a:extLst>
         </p:spPr>
@@ -3462,7 +3462,7 @@
           </a:ln>
           <a:extLst>
             <a:ext uri="{C572A759-6A51-4108-AA02-DFA0A04FC94B}">
-              <ma14:wrappingTextBoxFlag xmlns:ma14="http://schemas.microsoft.com/office/mac/drawingml/2011/main" xmlns="" val="1"/>
+              <ma14:wrappingTextBoxFlag xmlns="" xmlns:ma14="http://schemas.microsoft.com/office/mac/drawingml/2011/main" val="1"/>
             </a:ext>
           </a:extLst>
         </p:spPr>
@@ -3505,7 +3505,7 @@
           </a:ln>
           <a:extLst>
             <a:ext uri="{C572A759-6A51-4108-AA02-DFA0A04FC94B}">
-              <ma14:wrappingTextBoxFlag xmlns:ma14="http://schemas.microsoft.com/office/mac/drawingml/2011/main" xmlns="" val="1"/>
+              <ma14:wrappingTextBoxFlag xmlns="" xmlns:ma14="http://schemas.microsoft.com/office/mac/drawingml/2011/main" val="1"/>
             </a:ext>
           </a:extLst>
         </p:spPr>
@@ -3559,7 +3559,7 @@
           </a:ln>
           <a:extLst>
             <a:ext uri="{C572A759-6A51-4108-AA02-DFA0A04FC94B}">
-              <ma14:wrappingTextBoxFlag xmlns:ma14="http://schemas.microsoft.com/office/mac/drawingml/2011/main" xmlns="" val="1"/>
+              <ma14:wrappingTextBoxFlag xmlns="" xmlns:ma14="http://schemas.microsoft.com/office/mac/drawingml/2011/main" val="1"/>
             </a:ext>
           </a:extLst>
         </p:spPr>
@@ -3667,7 +3667,7 @@
           </a:ln>
           <a:extLst>
             <a:ext uri="{C572A759-6A51-4108-AA02-DFA0A04FC94B}">
-              <ma14:wrappingTextBoxFlag xmlns:ma14="http://schemas.microsoft.com/office/mac/drawingml/2011/main" xmlns="" val="1"/>
+              <ma14:wrappingTextBoxFlag xmlns="" xmlns:ma14="http://schemas.microsoft.com/office/mac/drawingml/2011/main" val="1"/>
             </a:ext>
           </a:extLst>
         </p:spPr>
@@ -3710,7 +3710,7 @@
           </a:ln>
           <a:extLst>
             <a:ext uri="{C572A759-6A51-4108-AA02-DFA0A04FC94B}">
-              <ma14:wrappingTextBoxFlag xmlns:ma14="http://schemas.microsoft.com/office/mac/drawingml/2011/main" xmlns="" val="1"/>
+              <ma14:wrappingTextBoxFlag xmlns="" xmlns:ma14="http://schemas.microsoft.com/office/mac/drawingml/2011/main" val="1"/>
             </a:ext>
           </a:extLst>
         </p:spPr>
@@ -3846,7 +3846,7 @@
           </a:ln>
           <a:extLst>
             <a:ext uri="{C572A759-6A51-4108-AA02-DFA0A04FC94B}">
-              <ma14:wrappingTextBoxFlag xmlns:ma14="http://schemas.microsoft.com/office/mac/drawingml/2011/main" xmlns="" val="1"/>
+              <ma14:wrappingTextBoxFlag xmlns="" xmlns:ma14="http://schemas.microsoft.com/office/mac/drawingml/2011/main" val="1"/>
             </a:ext>
           </a:extLst>
         </p:spPr>
@@ -3954,7 +3954,7 @@
           </a:ln>
           <a:extLst>
             <a:ext uri="{C572A759-6A51-4108-AA02-DFA0A04FC94B}">
-              <ma14:wrappingTextBoxFlag xmlns:ma14="http://schemas.microsoft.com/office/mac/drawingml/2011/main" xmlns="" val="1"/>
+              <ma14:wrappingTextBoxFlag xmlns="" xmlns:ma14="http://schemas.microsoft.com/office/mac/drawingml/2011/main" val="1"/>
             </a:ext>
           </a:extLst>
         </p:spPr>
@@ -3997,7 +3997,7 @@
           </a:ln>
           <a:extLst>
             <a:ext uri="{C572A759-6A51-4108-AA02-DFA0A04FC94B}">
-              <ma14:wrappingTextBoxFlag xmlns:ma14="http://schemas.microsoft.com/office/mac/drawingml/2011/main" xmlns="" val="1"/>
+              <ma14:wrappingTextBoxFlag xmlns="" xmlns:ma14="http://schemas.microsoft.com/office/mac/drawingml/2011/main" val="1"/>
             </a:ext>
           </a:extLst>
         </p:spPr>
@@ -4046,7 +4046,7 @@
           </a:ln>
           <a:extLst>
             <a:ext uri="{C572A759-6A51-4108-AA02-DFA0A04FC94B}">
-              <ma14:wrappingTextBoxFlag xmlns:ma14="http://schemas.microsoft.com/office/mac/drawingml/2011/main" xmlns="" val="1"/>
+              <ma14:wrappingTextBoxFlag xmlns="" xmlns:ma14="http://schemas.microsoft.com/office/mac/drawingml/2011/main" val="1"/>
             </a:ext>
           </a:extLst>
         </p:spPr>
@@ -4125,108 +4125,6 @@
           </a:p>
         </p:txBody>
       </p:sp>
-      <p:grpSp>
-        <p:nvGrpSpPr>
-          <p:cNvPr id="127" name="Shape 74"/>
-          <p:cNvGrpSpPr/>
-          <p:nvPr/>
-        </p:nvGrpSpPr>
-        <p:grpSpPr>
-          <a:xfrm>
-            <a:off x="2679849" y="4060201"/>
-            <a:ext cx="3800702" cy="2649302"/>
-            <a:chOff x="0" y="0"/>
-            <a:chExt cx="3800700" cy="2649300"/>
-          </a:xfrm>
-        </p:grpSpPr>
-        <p:sp>
-          <p:nvSpPr>
-            <p:cNvPr id="125" name="Rectangle"/>
-            <p:cNvSpPr/>
-            <p:nvPr/>
-          </p:nvSpPr>
-          <p:spPr>
-            <a:xfrm>
-              <a:off x="-1" y="-1"/>
-              <a:ext cx="3800702" cy="2649302"/>
-            </a:xfrm>
-            <a:prstGeom prst="rect">
-              <a:avLst/>
-            </a:prstGeom>
-            <a:solidFill>
-              <a:srgbClr val="EEEEEE"/>
-            </a:solidFill>
-            <a:ln w="12700" cap="flat">
-              <a:noFill/>
-              <a:miter lim="400000"/>
-            </a:ln>
-            <a:effectLst/>
-          </p:spPr>
-          <p:txBody>
-            <a:bodyPr wrap="square" lIns="45719" tIns="45719" rIns="45719" bIns="45719" numCol="1" anchor="ctr">
-              <a:noAutofit/>
-            </a:bodyPr>
-            <a:lstStyle/>
-            <a:p>
-              <a:pPr algn="ctr">
-                <a:defRPr>
-                  <a:solidFill>
-                    <a:srgbClr val="666666"/>
-                  </a:solidFill>
-                </a:defRPr>
-              </a:pPr>
-              <a:endParaRPr/>
-            </a:p>
-          </p:txBody>
-        </p:sp>
-        <p:sp>
-          <p:nvSpPr>
-            <p:cNvPr id="126" name="Place any supporting images, graphs, data or extra text here."/>
-            <p:cNvSpPr/>
-            <p:nvPr/>
-          </p:nvSpPr>
-          <p:spPr>
-            <a:xfrm>
-              <a:off x="-1" y="1032933"/>
-              <a:ext cx="3800702" cy="583434"/>
-            </a:xfrm>
-            <a:prstGeom prst="rect">
-              <a:avLst/>
-            </a:prstGeom>
-            <a:noFill/>
-            <a:ln w="12700" cap="flat">
-              <a:noFill/>
-              <a:miter lim="400000"/>
-            </a:ln>
-            <a:effectLst/>
-            <a:extLst>
-              <a:ext uri="{C572A759-6A51-4108-AA02-DFA0A04FC94B}">
-                <ma14:wrappingTextBoxFlag xmlns:ma14="http://schemas.microsoft.com/office/mac/drawingml/2011/main" xmlns="" val="1"/>
-              </a:ext>
-            </a:extLst>
-          </p:spPr>
-          <p:txBody>
-            <a:bodyPr wrap="square" lIns="91424" tIns="91424" rIns="91424" bIns="91424" numCol="1" anchor="ctr">
-              <a:spAutoFit/>
-            </a:bodyPr>
-            <a:lstStyle>
-              <a:lvl1pPr algn="ctr">
-                <a:defRPr>
-                  <a:solidFill>
-                    <a:srgbClr val="666666"/>
-                  </a:solidFill>
-                </a:defRPr>
-              </a:lvl1pPr>
-            </a:lstStyle>
-            <a:p>
-              <a:r>
-                <a:rPr dirty="0"/>
-                <a:t>Place any supporting images, graphs, data or extra text here.</a:t>
-              </a:r>
-            </a:p>
-          </p:txBody>
-        </p:sp>
-      </p:grpSp>
       <p:sp>
         <p:nvSpPr>
           <p:cNvPr id="128" name="Note: The data and information in this document is reflective of a hypothetical situation and client. This document is to be used for KPMG Virtual Internship purposes only."/>
@@ -4249,7 +4147,7 @@
           </a:ln>
           <a:extLst>
             <a:ext uri="{C572A759-6A51-4108-AA02-DFA0A04FC94B}">
-              <ma14:wrappingTextBoxFlag xmlns:ma14="http://schemas.microsoft.com/office/mac/drawingml/2011/main" xmlns="" val="1"/>
+              <ma14:wrappingTextBoxFlag xmlns="" xmlns:ma14="http://schemas.microsoft.com/office/mac/drawingml/2011/main" val="1"/>
             </a:ext>
           </a:extLst>
         </p:spPr>
@@ -4357,7 +4255,7 @@
           </a:ln>
           <a:extLst>
             <a:ext uri="{C572A759-6A51-4108-AA02-DFA0A04FC94B}">
-              <ma14:wrappingTextBoxFlag xmlns:ma14="http://schemas.microsoft.com/office/mac/drawingml/2011/main" xmlns="" val="1"/>
+              <ma14:wrappingTextBoxFlag xmlns="" xmlns:ma14="http://schemas.microsoft.com/office/mac/drawingml/2011/main" val="1"/>
             </a:ext>
           </a:extLst>
         </p:spPr>
@@ -4400,7 +4298,7 @@
           </a:ln>
           <a:extLst>
             <a:ext uri="{C572A759-6A51-4108-AA02-DFA0A04FC94B}">
-              <ma14:wrappingTextBoxFlag xmlns:ma14="http://schemas.microsoft.com/office/mac/drawingml/2011/main" xmlns="" val="1"/>
+              <ma14:wrappingTextBoxFlag xmlns="" xmlns:ma14="http://schemas.microsoft.com/office/mac/drawingml/2011/main" val="1"/>
             </a:ext>
           </a:extLst>
         </p:spPr>
@@ -4449,7 +4347,7 @@
           </a:ln>
           <a:extLst>
             <a:ext uri="{C572A759-6A51-4108-AA02-DFA0A04FC94B}">
-              <ma14:wrappingTextBoxFlag xmlns:ma14="http://schemas.microsoft.com/office/mac/drawingml/2011/main" xmlns="" val="1"/>
+              <ma14:wrappingTextBoxFlag xmlns="" xmlns:ma14="http://schemas.microsoft.com/office/mac/drawingml/2011/main" val="1"/>
             </a:ext>
           </a:extLst>
         </p:spPr>
@@ -4534,7 +4432,7 @@
           </a:ln>
           <a:extLst>
             <a:ext uri="{C572A759-6A51-4108-AA02-DFA0A04FC94B}">
-              <ma14:wrappingTextBoxFlag xmlns:ma14="http://schemas.microsoft.com/office/mac/drawingml/2011/main" xmlns="" val="1"/>
+              <ma14:wrappingTextBoxFlag xmlns="" xmlns:ma14="http://schemas.microsoft.com/office/mac/drawingml/2011/main" val="1"/>
             </a:ext>
           </a:extLst>
         </p:spPr>
@@ -4714,7 +4612,7 @@
           </a:ln>
           <a:extLst>
             <a:ext uri="{C572A759-6A51-4108-AA02-DFA0A04FC94B}">
-              <ma14:wrappingTextBoxFlag xmlns:ma14="http://schemas.microsoft.com/office/mac/drawingml/2011/main" xmlns="" val="1"/>
+              <ma14:wrappingTextBoxFlag xmlns="" xmlns:ma14="http://schemas.microsoft.com/office/mac/drawingml/2011/main" val="1"/>
             </a:ext>
           </a:extLst>
         </p:spPr>
@@ -4757,7 +4655,7 @@
           </a:ln>
           <a:extLst>
             <a:ext uri="{C572A759-6A51-4108-AA02-DFA0A04FC94B}">
-              <ma14:wrappingTextBoxFlag xmlns:ma14="http://schemas.microsoft.com/office/mac/drawingml/2011/main" xmlns="" val="1"/>
+              <ma14:wrappingTextBoxFlag xmlns="" xmlns:ma14="http://schemas.microsoft.com/office/mac/drawingml/2011/main" val="1"/>
             </a:ext>
           </a:extLst>
         </p:spPr>
@@ -4806,7 +4704,7 @@
           </a:ln>
           <a:extLst>
             <a:ext uri="{C572A759-6A51-4108-AA02-DFA0A04FC94B}">
-              <ma14:wrappingTextBoxFlag xmlns:ma14="http://schemas.microsoft.com/office/mac/drawingml/2011/main" xmlns="" val="1"/>
+              <ma14:wrappingTextBoxFlag xmlns="" xmlns:ma14="http://schemas.microsoft.com/office/mac/drawingml/2011/main" val="1"/>
             </a:ext>
           </a:extLst>
         </p:spPr>
@@ -4879,7 +4777,7 @@
           </a:ln>
           <a:extLst>
             <a:ext uri="{C572A759-6A51-4108-AA02-DFA0A04FC94B}">
-              <ma14:wrappingTextBoxFlag xmlns:ma14="http://schemas.microsoft.com/office/mac/drawingml/2011/main" xmlns="" val="1"/>
+              <ma14:wrappingTextBoxFlag xmlns="" xmlns:ma14="http://schemas.microsoft.com/office/mac/drawingml/2011/main" val="1"/>
             </a:ext>
           </a:extLst>
         </p:spPr>
@@ -5059,7 +4957,7 @@
           </a:ln>
           <a:extLst>
             <a:ext uri="{C572A759-6A51-4108-AA02-DFA0A04FC94B}">
-              <ma14:wrappingTextBoxFlag xmlns:ma14="http://schemas.microsoft.com/office/mac/drawingml/2011/main" xmlns="" val="1"/>
+              <ma14:wrappingTextBoxFlag xmlns="" xmlns:ma14="http://schemas.microsoft.com/office/mac/drawingml/2011/main" val="1"/>
             </a:ext>
           </a:extLst>
         </p:spPr>
@@ -5102,7 +5000,7 @@
           </a:ln>
           <a:extLst>
             <a:ext uri="{C572A759-6A51-4108-AA02-DFA0A04FC94B}">
-              <ma14:wrappingTextBoxFlag xmlns:ma14="http://schemas.microsoft.com/office/mac/drawingml/2011/main" xmlns="" val="1"/>
+              <ma14:wrappingTextBoxFlag xmlns="" xmlns:ma14="http://schemas.microsoft.com/office/mac/drawingml/2011/main" val="1"/>
             </a:ext>
           </a:extLst>
         </p:spPr>
@@ -5151,7 +5049,7 @@
           </a:ln>
           <a:extLst>
             <a:ext uri="{C572A759-6A51-4108-AA02-DFA0A04FC94B}">
-              <ma14:wrappingTextBoxFlag xmlns:ma14="http://schemas.microsoft.com/office/mac/drawingml/2011/main" xmlns="" val="1"/>
+              <ma14:wrappingTextBoxFlag xmlns="" xmlns:ma14="http://schemas.microsoft.com/office/mac/drawingml/2011/main" val="1"/>
             </a:ext>
           </a:extLst>
         </p:spPr>
@@ -5227,7 +5125,7 @@
           </a:ln>
           <a:extLst>
             <a:ext uri="{C572A759-6A51-4108-AA02-DFA0A04FC94B}">
-              <ma14:wrappingTextBoxFlag xmlns:ma14="http://schemas.microsoft.com/office/mac/drawingml/2011/main" xmlns="" val="1"/>
+              <ma14:wrappingTextBoxFlag xmlns="" xmlns:ma14="http://schemas.microsoft.com/office/mac/drawingml/2011/main" val="1"/>
             </a:ext>
           </a:extLst>
         </p:spPr>
@@ -5407,7 +5305,7 @@
           </a:ln>
           <a:extLst>
             <a:ext uri="{C572A759-6A51-4108-AA02-DFA0A04FC94B}">
-              <ma14:wrappingTextBoxFlag xmlns="" xmlns:ma14="http://schemas.microsoft.com/office/mac/drawingml/2011/main" val="1"/>
+              <ma14:wrappingTextBoxFlag xmlns:ma14="http://schemas.microsoft.com/office/mac/drawingml/2011/main" xmlns="" val="1"/>
             </a:ext>
           </a:extLst>
         </p:spPr>
@@ -5450,7 +5348,7 @@
           </a:ln>
           <a:extLst>
             <a:ext uri="{C572A759-6A51-4108-AA02-DFA0A04FC94B}">
-              <ma14:wrappingTextBoxFlag xmlns="" xmlns:ma14="http://schemas.microsoft.com/office/mac/drawingml/2011/main" val="1"/>
+              <ma14:wrappingTextBoxFlag xmlns:ma14="http://schemas.microsoft.com/office/mac/drawingml/2011/main" xmlns="" val="1"/>
             </a:ext>
           </a:extLst>
         </p:spPr>
@@ -5499,7 +5397,7 @@
           </a:ln>
           <a:extLst>
             <a:ext uri="{C572A759-6A51-4108-AA02-DFA0A04FC94B}">
-              <ma14:wrappingTextBoxFlag xmlns="" xmlns:ma14="http://schemas.microsoft.com/office/mac/drawingml/2011/main" val="1"/>
+              <ma14:wrappingTextBoxFlag xmlns:ma14="http://schemas.microsoft.com/office/mac/drawingml/2011/main" xmlns="" val="1"/>
             </a:ext>
           </a:extLst>
         </p:spPr>
@@ -5585,7 +5483,7 @@
           </a:ln>
           <a:extLst>
             <a:ext uri="{C572A759-6A51-4108-AA02-DFA0A04FC94B}">
-              <ma14:wrappingTextBoxFlag xmlns="" xmlns:ma14="http://schemas.microsoft.com/office/mac/drawingml/2011/main" val="1"/>
+              <ma14:wrappingTextBoxFlag xmlns:ma14="http://schemas.microsoft.com/office/mac/drawingml/2011/main" xmlns="" val="1"/>
             </a:ext>
           </a:extLst>
         </p:spPr>
@@ -5770,7 +5668,7 @@
           </a:ln>
           <a:extLst>
             <a:ext uri="{C572A759-6A51-4108-AA02-DFA0A04FC94B}">
-              <ma14:wrappingTextBoxFlag xmlns="" xmlns:ma14="http://schemas.microsoft.com/office/mac/drawingml/2011/main" val="1"/>
+              <ma14:wrappingTextBoxFlag xmlns:ma14="http://schemas.microsoft.com/office/mac/drawingml/2011/main" xmlns="" val="1"/>
             </a:ext>
           </a:extLst>
         </p:spPr>
@@ -5813,7 +5711,7 @@
           </a:ln>
           <a:extLst>
             <a:ext uri="{C572A759-6A51-4108-AA02-DFA0A04FC94B}">
-              <ma14:wrappingTextBoxFlag xmlns="" xmlns:ma14="http://schemas.microsoft.com/office/mac/drawingml/2011/main" val="1"/>
+              <ma14:wrappingTextBoxFlag xmlns:ma14="http://schemas.microsoft.com/office/mac/drawingml/2011/main" xmlns="" val="1"/>
             </a:ext>
           </a:extLst>
         </p:spPr>
@@ -5862,7 +5760,7 @@
           </a:ln>
           <a:extLst>
             <a:ext uri="{C572A759-6A51-4108-AA02-DFA0A04FC94B}">
-              <ma14:wrappingTextBoxFlag xmlns="" xmlns:ma14="http://schemas.microsoft.com/office/mac/drawingml/2011/main" val="1"/>
+              <ma14:wrappingTextBoxFlag xmlns:ma14="http://schemas.microsoft.com/office/mac/drawingml/2011/main" xmlns="" val="1"/>
             </a:ext>
           </a:extLst>
         </p:spPr>
@@ -5938,7 +5836,7 @@
           </a:ln>
           <a:extLst>
             <a:ext uri="{C572A759-6A51-4108-AA02-DFA0A04FC94B}">
-              <ma14:wrappingTextBoxFlag xmlns="" xmlns:ma14="http://schemas.microsoft.com/office/mac/drawingml/2011/main" val="1"/>
+              <ma14:wrappingTextBoxFlag xmlns:ma14="http://schemas.microsoft.com/office/mac/drawingml/2011/main" xmlns="" val="1"/>
             </a:ext>
           </a:extLst>
         </p:spPr>
@@ -6160,7 +6058,7 @@
           </a:ln>
           <a:extLst>
             <a:ext uri="{C572A759-6A51-4108-AA02-DFA0A04FC94B}">
-              <ma14:wrappingTextBoxFlag xmlns:ma14="http://schemas.microsoft.com/office/mac/drawingml/2011/main" xmlns="" val="1"/>
+              <ma14:wrappingTextBoxFlag xmlns="" xmlns:ma14="http://schemas.microsoft.com/office/mac/drawingml/2011/main" val="1"/>
             </a:ext>
           </a:extLst>
         </p:spPr>
@@ -6210,7 +6108,7 @@
           </a:ln>
           <a:extLst>
             <a:ext uri="{C572A759-6A51-4108-AA02-DFA0A04FC94B}">
-              <ma14:wrappingTextBoxFlag xmlns:ma14="http://schemas.microsoft.com/office/mac/drawingml/2011/main" xmlns="" val="1"/>
+              <ma14:wrappingTextBoxFlag xmlns="" xmlns:ma14="http://schemas.microsoft.com/office/mac/drawingml/2011/main" val="1"/>
             </a:ext>
           </a:extLst>
         </p:spPr>
